--- a/Images/Figures_PPT/ComponentsAlveolataPieChart.pptx
+++ b/Images/Figures_PPT/ComponentsAlveolataPieChart.pptx
@@ -2529,7 +2529,7 @@
               </a:pathLst>
             </a:custGeom>
             <a:solidFill>
-              <a:srgbClr val="C77CFF">
+              <a:srgbClr val="CE8964">
                 <a:alpha val="100000"/>
               </a:srgbClr>
             </a:solidFill>
@@ -2746,7 +2746,7 @@
               </a:pathLst>
             </a:custGeom>
             <a:solidFill>
-              <a:srgbClr val="00BFC4">
+              <a:srgbClr val="9CC5A1">
                 <a:alpha val="100000"/>
               </a:srgbClr>
             </a:solidFill>
@@ -2978,7 +2978,7 @@
               </a:pathLst>
             </a:custGeom>
             <a:solidFill>
-              <a:srgbClr val="7CAE00">
+              <a:srgbClr val="DACC3E">
                 <a:alpha val="100000"/>
               </a:srgbClr>
             </a:solidFill>
@@ -3678,7 +3678,7 @@
               </a:pathLst>
             </a:custGeom>
             <a:solidFill>
-              <a:srgbClr val="F8766D">
+              <a:srgbClr val="819595">
                 <a:alpha val="100000"/>
               </a:srgbClr>
             </a:solidFill>

--- a/Images/Figures_PPT/ComponentsAlveolataPieChart.pptx
+++ b/Images/Figures_PPT/ComponentsAlveolataPieChart.pptx
@@ -2299,143 +2299,146 @@
           <p:spPr>
             <a:xfrm>
               <a:off x="5486400" y="1749568"/>
-              <a:ext cx="1252571" cy="2473613"/>
+              <a:ext cx="1310815" cy="2473613"/>
             </a:xfrm>
             <a:custGeom>
               <a:avLst/>
               <a:pathLst>
-                <a:path w="1252571" h="2473613">
+                <a:path w="1310815" h="2473613">
                   <a:moveTo>
                     <a:pt x="0" y="2473613"/>
                   </a:moveTo>
                   <a:lnTo>
-                    <a:pt x="43192" y="2400061"/>
-                  </a:lnTo>
-                  <a:lnTo>
-                    <a:pt x="86384" y="2326508"/>
-                  </a:lnTo>
-                  <a:lnTo>
-                    <a:pt x="129576" y="2252955"/>
-                  </a:lnTo>
-                  <a:lnTo>
-                    <a:pt x="172768" y="2179402"/>
-                  </a:lnTo>
-                  <a:lnTo>
-                    <a:pt x="215960" y="2105849"/>
-                  </a:lnTo>
-                  <a:lnTo>
-                    <a:pt x="259152" y="2032296"/>
-                  </a:lnTo>
-                  <a:lnTo>
-                    <a:pt x="302344" y="1958743"/>
-                  </a:lnTo>
-                  <a:lnTo>
-                    <a:pt x="345536" y="1885190"/>
-                  </a:lnTo>
-                  <a:lnTo>
-                    <a:pt x="388728" y="1811638"/>
-                  </a:lnTo>
-                  <a:lnTo>
-                    <a:pt x="431921" y="1738085"/>
-                  </a:lnTo>
-                  <a:lnTo>
-                    <a:pt x="475113" y="1664532"/>
-                  </a:lnTo>
-                  <a:lnTo>
-                    <a:pt x="518305" y="1590979"/>
-                  </a:lnTo>
-                  <a:lnTo>
-                    <a:pt x="561497" y="1517426"/>
-                  </a:lnTo>
-                  <a:lnTo>
-                    <a:pt x="604689" y="1443873"/>
-                  </a:lnTo>
-                  <a:lnTo>
-                    <a:pt x="647881" y="1370320"/>
-                  </a:lnTo>
-                  <a:lnTo>
-                    <a:pt x="691073" y="1296767"/>
-                  </a:lnTo>
-                  <a:lnTo>
-                    <a:pt x="734265" y="1223215"/>
-                  </a:lnTo>
-                  <a:lnTo>
-                    <a:pt x="777457" y="1149662"/>
-                  </a:lnTo>
-                  <a:lnTo>
-                    <a:pt x="820650" y="1076109"/>
-                  </a:lnTo>
-                  <a:lnTo>
-                    <a:pt x="863842" y="1002556"/>
-                  </a:lnTo>
-                  <a:lnTo>
-                    <a:pt x="907034" y="929003"/>
-                  </a:lnTo>
-                  <a:lnTo>
-                    <a:pt x="950226" y="855450"/>
-                  </a:lnTo>
-                  <a:lnTo>
-                    <a:pt x="993418" y="781897"/>
-                  </a:lnTo>
-                  <a:lnTo>
-                    <a:pt x="1036610" y="708344"/>
-                  </a:lnTo>
-                  <a:lnTo>
-                    <a:pt x="1079802" y="634792"/>
-                  </a:lnTo>
-                  <a:lnTo>
-                    <a:pt x="1122994" y="561239"/>
-                  </a:lnTo>
-                  <a:lnTo>
-                    <a:pt x="1166186" y="487686"/>
-                  </a:lnTo>
-                  <a:lnTo>
-                    <a:pt x="1209379" y="414133"/>
-                  </a:lnTo>
-                  <a:lnTo>
-                    <a:pt x="1252571" y="340580"/>
-                  </a:lnTo>
-                  <a:lnTo>
-                    <a:pt x="1176296" y="297587"/>
-                  </a:lnTo>
-                  <a:lnTo>
-                    <a:pt x="1098548" y="257320"/>
-                  </a:lnTo>
-                  <a:lnTo>
-                    <a:pt x="1019423" y="219830"/>
-                  </a:lnTo>
-                  <a:lnTo>
-                    <a:pt x="939021" y="185163"/>
-                  </a:lnTo>
-                  <a:lnTo>
-                    <a:pt x="857443" y="153364"/>
-                  </a:lnTo>
-                  <a:lnTo>
-                    <a:pt x="774790" y="124472"/>
-                  </a:lnTo>
-                  <a:lnTo>
-                    <a:pt x="691167" y="98523"/>
-                  </a:lnTo>
-                  <a:lnTo>
-                    <a:pt x="606677" y="75550"/>
-                  </a:lnTo>
-                  <a:lnTo>
-                    <a:pt x="521428" y="55582"/>
-                  </a:lnTo>
-                  <a:lnTo>
-                    <a:pt x="435525" y="38643"/>
-                  </a:lnTo>
-                  <a:lnTo>
-                    <a:pt x="349077" y="24754"/>
-                  </a:lnTo>
-                  <a:lnTo>
-                    <a:pt x="262191" y="13934"/>
-                  </a:lnTo>
-                  <a:lnTo>
-                    <a:pt x="174976" y="6196"/>
-                  </a:lnTo>
-                  <a:lnTo>
-                    <a:pt x="87543" y="1549"/>
+                    <a:pt x="45200" y="2401277"/>
+                  </a:lnTo>
+                  <a:lnTo>
+                    <a:pt x="90401" y="2328941"/>
+                  </a:lnTo>
+                  <a:lnTo>
+                    <a:pt x="135601" y="2256605"/>
+                  </a:lnTo>
+                  <a:lnTo>
+                    <a:pt x="180802" y="2184269"/>
+                  </a:lnTo>
+                  <a:lnTo>
+                    <a:pt x="226002" y="2111934"/>
+                  </a:lnTo>
+                  <a:lnTo>
+                    <a:pt x="271203" y="2039598"/>
+                  </a:lnTo>
+                  <a:lnTo>
+                    <a:pt x="316403" y="1967262"/>
+                  </a:lnTo>
+                  <a:lnTo>
+                    <a:pt x="361604" y="1894926"/>
+                  </a:lnTo>
+                  <a:lnTo>
+                    <a:pt x="406804" y="1822590"/>
+                  </a:lnTo>
+                  <a:lnTo>
+                    <a:pt x="452005" y="1750254"/>
+                  </a:lnTo>
+                  <a:lnTo>
+                    <a:pt x="497205" y="1677918"/>
+                  </a:lnTo>
+                  <a:lnTo>
+                    <a:pt x="542406" y="1605582"/>
+                  </a:lnTo>
+                  <a:lnTo>
+                    <a:pt x="587607" y="1533246"/>
+                  </a:lnTo>
+                  <a:lnTo>
+                    <a:pt x="632807" y="1460910"/>
+                  </a:lnTo>
+                  <a:lnTo>
+                    <a:pt x="678008" y="1388574"/>
+                  </a:lnTo>
+                  <a:lnTo>
+                    <a:pt x="723208" y="1316238"/>
+                  </a:lnTo>
+                  <a:lnTo>
+                    <a:pt x="768409" y="1243902"/>
+                  </a:lnTo>
+                  <a:lnTo>
+                    <a:pt x="813609" y="1171566"/>
+                  </a:lnTo>
+                  <a:lnTo>
+                    <a:pt x="858810" y="1099230"/>
+                  </a:lnTo>
+                  <a:lnTo>
+                    <a:pt x="904010" y="1026894"/>
+                  </a:lnTo>
+                  <a:lnTo>
+                    <a:pt x="949211" y="954558"/>
+                  </a:lnTo>
+                  <a:lnTo>
+                    <a:pt x="994411" y="882222"/>
+                  </a:lnTo>
+                  <a:lnTo>
+                    <a:pt x="1039612" y="809886"/>
+                  </a:lnTo>
+                  <a:lnTo>
+                    <a:pt x="1084812" y="737550"/>
+                  </a:lnTo>
+                  <a:lnTo>
+                    <a:pt x="1130013" y="665214"/>
+                  </a:lnTo>
+                  <a:lnTo>
+                    <a:pt x="1175214" y="592878"/>
+                  </a:lnTo>
+                  <a:lnTo>
+                    <a:pt x="1220414" y="520542"/>
+                  </a:lnTo>
+                  <a:lnTo>
+                    <a:pt x="1265615" y="448206"/>
+                  </a:lnTo>
+                  <a:lnTo>
+                    <a:pt x="1310815" y="375870"/>
+                  </a:lnTo>
+                  <a:lnTo>
+                    <a:pt x="1236806" y="331401"/>
+                  </a:lnTo>
+                  <a:lnTo>
+                    <a:pt x="1161291" y="289542"/>
+                  </a:lnTo>
+                  <a:lnTo>
+                    <a:pt x="1084360" y="250344"/>
+                  </a:lnTo>
+                  <a:lnTo>
+                    <a:pt x="1006109" y="213855"/>
+                  </a:lnTo>
+                  <a:lnTo>
+                    <a:pt x="926632" y="180119"/>
+                  </a:lnTo>
+                  <a:lnTo>
+                    <a:pt x="846025" y="149177"/>
+                  </a:lnTo>
+                  <a:lnTo>
+                    <a:pt x="764388" y="121067"/>
+                  </a:lnTo>
+                  <a:lnTo>
+                    <a:pt x="681820" y="95823"/>
+                  </a:lnTo>
+                  <a:lnTo>
+                    <a:pt x="598421" y="73476"/>
+                  </a:lnTo>
+                  <a:lnTo>
+                    <a:pt x="514293" y="54054"/>
+                  </a:lnTo>
+                  <a:lnTo>
+                    <a:pt x="429538" y="37579"/>
+                  </a:lnTo>
+                  <a:lnTo>
+                    <a:pt x="344260" y="24073"/>
+                  </a:lnTo>
+                  <a:lnTo>
+                    <a:pt x="258563" y="13550"/>
+                  </a:lnTo>
+                  <a:lnTo>
+                    <a:pt x="172550" y="6025"/>
+                  </a:lnTo>
+                  <a:lnTo>
+                    <a:pt x="86327" y="1506"/>
                   </a:lnTo>
                   <a:lnTo>
                     <a:pt x="0" y="0"/>
@@ -2557,189 +2560,189 @@
           </p:nvSpPr>
           <p:spPr>
             <a:xfrm>
-              <a:off x="5486400" y="2090149"/>
-              <a:ext cx="1345696" cy="2133033"/>
+              <a:off x="5486400" y="2125439"/>
+              <a:ext cx="1406994" cy="2097743"/>
             </a:xfrm>
             <a:custGeom>
               <a:avLst/>
               <a:pathLst>
-                <a:path w="1345696" h="2133033">
+                <a:path w="1406994" h="2097743">
                   <a:moveTo>
-                    <a:pt x="0" y="2133033"/>
+                    <a:pt x="0" y="2097743"/>
                   </a:moveTo>
                   <a:lnTo>
-                    <a:pt x="46403" y="2061462"/>
-                  </a:lnTo>
-                  <a:lnTo>
-                    <a:pt x="92806" y="1989892"/>
-                  </a:lnTo>
-                  <a:lnTo>
-                    <a:pt x="139209" y="1918322"/>
-                  </a:lnTo>
-                  <a:lnTo>
-                    <a:pt x="185613" y="1846751"/>
-                  </a:lnTo>
-                  <a:lnTo>
-                    <a:pt x="232016" y="1775181"/>
-                  </a:lnTo>
-                  <a:lnTo>
-                    <a:pt x="278419" y="1703611"/>
-                  </a:lnTo>
-                  <a:lnTo>
-                    <a:pt x="324823" y="1632040"/>
-                  </a:lnTo>
-                  <a:lnTo>
-                    <a:pt x="371226" y="1560470"/>
-                  </a:lnTo>
-                  <a:lnTo>
-                    <a:pt x="417629" y="1488900"/>
-                  </a:lnTo>
-                  <a:lnTo>
-                    <a:pt x="464033" y="1417329"/>
-                  </a:lnTo>
-                  <a:lnTo>
-                    <a:pt x="510436" y="1345759"/>
-                  </a:lnTo>
-                  <a:lnTo>
-                    <a:pt x="556839" y="1274189"/>
-                  </a:lnTo>
-                  <a:lnTo>
-                    <a:pt x="603243" y="1202618"/>
-                  </a:lnTo>
-                  <a:lnTo>
-                    <a:pt x="649646" y="1131048"/>
-                  </a:lnTo>
-                  <a:lnTo>
-                    <a:pt x="696049" y="1059478"/>
-                  </a:lnTo>
-                  <a:lnTo>
-                    <a:pt x="742453" y="987907"/>
-                  </a:lnTo>
-                  <a:lnTo>
-                    <a:pt x="788856" y="916337"/>
-                  </a:lnTo>
-                  <a:lnTo>
-                    <a:pt x="835259" y="844767"/>
-                  </a:lnTo>
-                  <a:lnTo>
-                    <a:pt x="881663" y="773196"/>
-                  </a:lnTo>
-                  <a:lnTo>
-                    <a:pt x="928066" y="701626"/>
-                  </a:lnTo>
-                  <a:lnTo>
-                    <a:pt x="974469" y="630055"/>
-                  </a:lnTo>
-                  <a:lnTo>
-                    <a:pt x="1020873" y="558485"/>
-                  </a:lnTo>
-                  <a:lnTo>
-                    <a:pt x="1067276" y="486915"/>
-                  </a:lnTo>
-                  <a:lnTo>
-                    <a:pt x="1113679" y="415344"/>
-                  </a:lnTo>
-                  <a:lnTo>
-                    <a:pt x="1160083" y="343774"/>
-                  </a:lnTo>
-                  <a:lnTo>
-                    <a:pt x="1206486" y="272204"/>
-                  </a:lnTo>
-                  <a:lnTo>
-                    <a:pt x="1252889" y="200633"/>
-                  </a:lnTo>
-                  <a:lnTo>
-                    <a:pt x="1299293" y="129063"/>
-                  </a:lnTo>
-                  <a:lnTo>
-                    <a:pt x="1345696" y="57493"/>
-                  </a:lnTo>
-                  <a:lnTo>
-                    <a:pt x="1252571" y="0"/>
-                  </a:lnTo>
-                  <a:lnTo>
-                    <a:pt x="1209379" y="73552"/>
-                  </a:lnTo>
-                  <a:lnTo>
-                    <a:pt x="1166186" y="147105"/>
-                  </a:lnTo>
-                  <a:lnTo>
-                    <a:pt x="1122994" y="220658"/>
-                  </a:lnTo>
-                  <a:lnTo>
-                    <a:pt x="1079802" y="294211"/>
-                  </a:lnTo>
-                  <a:lnTo>
-                    <a:pt x="1036610" y="367764"/>
-                  </a:lnTo>
-                  <a:lnTo>
-                    <a:pt x="993418" y="441317"/>
-                  </a:lnTo>
-                  <a:lnTo>
-                    <a:pt x="950226" y="514870"/>
-                  </a:lnTo>
-                  <a:lnTo>
-                    <a:pt x="907034" y="588422"/>
-                  </a:lnTo>
-                  <a:lnTo>
-                    <a:pt x="863842" y="661975"/>
-                  </a:lnTo>
-                  <a:lnTo>
-                    <a:pt x="820650" y="735528"/>
-                  </a:lnTo>
-                  <a:lnTo>
-                    <a:pt x="777457" y="809081"/>
-                  </a:lnTo>
-                  <a:lnTo>
-                    <a:pt x="734265" y="882634"/>
-                  </a:lnTo>
-                  <a:lnTo>
-                    <a:pt x="691073" y="956187"/>
-                  </a:lnTo>
-                  <a:lnTo>
-                    <a:pt x="647881" y="1029740"/>
-                  </a:lnTo>
-                  <a:lnTo>
-                    <a:pt x="604689" y="1103293"/>
-                  </a:lnTo>
-                  <a:lnTo>
-                    <a:pt x="561497" y="1176845"/>
-                  </a:lnTo>
-                  <a:lnTo>
-                    <a:pt x="518305" y="1250398"/>
-                  </a:lnTo>
-                  <a:lnTo>
-                    <a:pt x="475113" y="1323951"/>
-                  </a:lnTo>
-                  <a:lnTo>
-                    <a:pt x="431921" y="1397504"/>
-                  </a:lnTo>
-                  <a:lnTo>
-                    <a:pt x="388728" y="1471057"/>
-                  </a:lnTo>
-                  <a:lnTo>
-                    <a:pt x="345536" y="1544610"/>
-                  </a:lnTo>
-                  <a:lnTo>
-                    <a:pt x="302344" y="1618163"/>
-                  </a:lnTo>
-                  <a:lnTo>
-                    <a:pt x="259152" y="1691716"/>
-                  </a:lnTo>
-                  <a:lnTo>
-                    <a:pt x="215960" y="1765268"/>
-                  </a:lnTo>
-                  <a:lnTo>
-                    <a:pt x="172768" y="1838821"/>
-                  </a:lnTo>
-                  <a:lnTo>
-                    <a:pt x="129576" y="1912374"/>
-                  </a:lnTo>
-                  <a:lnTo>
-                    <a:pt x="86384" y="1985927"/>
-                  </a:lnTo>
-                  <a:lnTo>
-                    <a:pt x="43192" y="2059480"/>
+                    <a:pt x="48517" y="2027588"/>
+                  </a:lnTo>
+                  <a:lnTo>
+                    <a:pt x="97034" y="1957434"/>
+                  </a:lnTo>
+                  <a:lnTo>
+                    <a:pt x="145551" y="1887279"/>
+                  </a:lnTo>
+                  <a:lnTo>
+                    <a:pt x="194068" y="1817124"/>
+                  </a:lnTo>
+                  <a:lnTo>
+                    <a:pt x="242585" y="1746970"/>
+                  </a:lnTo>
+                  <a:lnTo>
+                    <a:pt x="291102" y="1676815"/>
+                  </a:lnTo>
+                  <a:lnTo>
+                    <a:pt x="339619" y="1606660"/>
+                  </a:lnTo>
+                  <a:lnTo>
+                    <a:pt x="388136" y="1536506"/>
+                  </a:lnTo>
+                  <a:lnTo>
+                    <a:pt x="436653" y="1466351"/>
+                  </a:lnTo>
+                  <a:lnTo>
+                    <a:pt x="485170" y="1396196"/>
+                  </a:lnTo>
+                  <a:lnTo>
+                    <a:pt x="533687" y="1326042"/>
+                  </a:lnTo>
+                  <a:lnTo>
+                    <a:pt x="582204" y="1255887"/>
+                  </a:lnTo>
+                  <a:lnTo>
+                    <a:pt x="630721" y="1185732"/>
+                  </a:lnTo>
+                  <a:lnTo>
+                    <a:pt x="679238" y="1115578"/>
+                  </a:lnTo>
+                  <a:lnTo>
+                    <a:pt x="727755" y="1045423"/>
+                  </a:lnTo>
+                  <a:lnTo>
+                    <a:pt x="776272" y="975268"/>
+                  </a:lnTo>
+                  <a:lnTo>
+                    <a:pt x="824789" y="905113"/>
+                  </a:lnTo>
+                  <a:lnTo>
+                    <a:pt x="873306" y="834959"/>
+                  </a:lnTo>
+                  <a:lnTo>
+                    <a:pt x="921823" y="764804"/>
+                  </a:lnTo>
+                  <a:lnTo>
+                    <a:pt x="970340" y="694649"/>
+                  </a:lnTo>
+                  <a:lnTo>
+                    <a:pt x="1018858" y="624495"/>
+                  </a:lnTo>
+                  <a:lnTo>
+                    <a:pt x="1067375" y="554340"/>
+                  </a:lnTo>
+                  <a:lnTo>
+                    <a:pt x="1115892" y="484185"/>
+                  </a:lnTo>
+                  <a:lnTo>
+                    <a:pt x="1164409" y="414031"/>
+                  </a:lnTo>
+                  <a:lnTo>
+                    <a:pt x="1212926" y="343876"/>
+                  </a:lnTo>
+                  <a:lnTo>
+                    <a:pt x="1261443" y="273721"/>
+                  </a:lnTo>
+                  <a:lnTo>
+                    <a:pt x="1309960" y="203567"/>
+                  </a:lnTo>
+                  <a:lnTo>
+                    <a:pt x="1358477" y="133412"/>
+                  </a:lnTo>
+                  <a:lnTo>
+                    <a:pt x="1406994" y="63257"/>
+                  </a:lnTo>
+                  <a:lnTo>
+                    <a:pt x="1310815" y="0"/>
+                  </a:lnTo>
+                  <a:lnTo>
+                    <a:pt x="1265615" y="72335"/>
+                  </a:lnTo>
+                  <a:lnTo>
+                    <a:pt x="1220414" y="144671"/>
+                  </a:lnTo>
+                  <a:lnTo>
+                    <a:pt x="1175214" y="217007"/>
+                  </a:lnTo>
+                  <a:lnTo>
+                    <a:pt x="1130013" y="289343"/>
+                  </a:lnTo>
+                  <a:lnTo>
+                    <a:pt x="1084812" y="361679"/>
+                  </a:lnTo>
+                  <a:lnTo>
+                    <a:pt x="1039612" y="434015"/>
+                  </a:lnTo>
+                  <a:lnTo>
+                    <a:pt x="994411" y="506351"/>
+                  </a:lnTo>
+                  <a:lnTo>
+                    <a:pt x="949211" y="578687"/>
+                  </a:lnTo>
+                  <a:lnTo>
+                    <a:pt x="904010" y="651023"/>
+                  </a:lnTo>
+                  <a:lnTo>
+                    <a:pt x="858810" y="723359"/>
+                  </a:lnTo>
+                  <a:lnTo>
+                    <a:pt x="813609" y="795695"/>
+                  </a:lnTo>
+                  <a:lnTo>
+                    <a:pt x="768409" y="868031"/>
+                  </a:lnTo>
+                  <a:lnTo>
+                    <a:pt x="723208" y="940367"/>
+                  </a:lnTo>
+                  <a:lnTo>
+                    <a:pt x="678008" y="1012703"/>
+                  </a:lnTo>
+                  <a:lnTo>
+                    <a:pt x="632807" y="1085039"/>
+                  </a:lnTo>
+                  <a:lnTo>
+                    <a:pt x="587607" y="1157375"/>
+                  </a:lnTo>
+                  <a:lnTo>
+                    <a:pt x="542406" y="1229711"/>
+                  </a:lnTo>
+                  <a:lnTo>
+                    <a:pt x="497205" y="1302047"/>
+                  </a:lnTo>
+                  <a:lnTo>
+                    <a:pt x="452005" y="1374383"/>
+                  </a:lnTo>
+                  <a:lnTo>
+                    <a:pt x="406804" y="1446719"/>
+                  </a:lnTo>
+                  <a:lnTo>
+                    <a:pt x="361604" y="1519055"/>
+                  </a:lnTo>
+                  <a:lnTo>
+                    <a:pt x="316403" y="1591391"/>
+                  </a:lnTo>
+                  <a:lnTo>
+                    <a:pt x="271203" y="1663727"/>
+                  </a:lnTo>
+                  <a:lnTo>
+                    <a:pt x="226002" y="1736063"/>
+                  </a:lnTo>
+                  <a:lnTo>
+                    <a:pt x="180802" y="1808399"/>
+                  </a:lnTo>
+                  <a:lnTo>
+                    <a:pt x="135601" y="1880735"/>
+                  </a:lnTo>
+                  <a:lnTo>
+                    <a:pt x="90401" y="1953071"/>
+                  </a:lnTo>
+                  <a:lnTo>
+                    <a:pt x="45200" y="2025407"/>
                   </a:lnTo>
                   <a:close/>
                 </a:path>
@@ -2774,204 +2777,204 @@
           </p:nvSpPr>
           <p:spPr>
             <a:xfrm>
-              <a:off x="5486400" y="2147642"/>
-              <a:ext cx="1768350" cy="2075540"/>
+              <a:off x="5486400" y="2188696"/>
+              <a:ext cx="1838253" cy="2034485"/>
             </a:xfrm>
             <a:custGeom>
               <a:avLst/>
               <a:pathLst>
-                <a:path w="1768350" h="2075540">
+                <a:path w="1838253" h="2034485">
                   <a:moveTo>
-                    <a:pt x="0" y="2075540"/>
+                    <a:pt x="0" y="2034485"/>
                   </a:moveTo>
                   <a:lnTo>
-                    <a:pt x="60977" y="2015896"/>
-                  </a:lnTo>
-                  <a:lnTo>
-                    <a:pt x="121955" y="1956253"/>
-                  </a:lnTo>
-                  <a:lnTo>
-                    <a:pt x="182932" y="1896610"/>
-                  </a:lnTo>
-                  <a:lnTo>
-                    <a:pt x="243910" y="1836967"/>
-                  </a:lnTo>
-                  <a:lnTo>
-                    <a:pt x="304887" y="1777323"/>
-                  </a:lnTo>
-                  <a:lnTo>
-                    <a:pt x="365865" y="1717680"/>
-                  </a:lnTo>
-                  <a:lnTo>
-                    <a:pt x="426843" y="1658037"/>
-                  </a:lnTo>
-                  <a:lnTo>
-                    <a:pt x="487820" y="1598394"/>
-                  </a:lnTo>
-                  <a:lnTo>
-                    <a:pt x="548798" y="1538750"/>
-                  </a:lnTo>
-                  <a:lnTo>
-                    <a:pt x="609775" y="1479107"/>
-                  </a:lnTo>
-                  <a:lnTo>
-                    <a:pt x="670753" y="1419464"/>
-                  </a:lnTo>
-                  <a:lnTo>
-                    <a:pt x="731731" y="1359821"/>
-                  </a:lnTo>
-                  <a:lnTo>
-                    <a:pt x="792708" y="1300178"/>
-                  </a:lnTo>
-                  <a:lnTo>
-                    <a:pt x="853686" y="1240534"/>
-                  </a:lnTo>
-                  <a:lnTo>
-                    <a:pt x="914663" y="1180891"/>
-                  </a:lnTo>
-                  <a:lnTo>
-                    <a:pt x="975641" y="1121248"/>
-                  </a:lnTo>
-                  <a:lnTo>
-                    <a:pt x="1036619" y="1061605"/>
-                  </a:lnTo>
-                  <a:lnTo>
-                    <a:pt x="1097596" y="1001961"/>
-                  </a:lnTo>
-                  <a:lnTo>
-                    <a:pt x="1158574" y="942318"/>
-                  </a:lnTo>
-                  <a:lnTo>
-                    <a:pt x="1219551" y="882675"/>
-                  </a:lnTo>
-                  <a:lnTo>
-                    <a:pt x="1280529" y="823032"/>
-                  </a:lnTo>
-                  <a:lnTo>
-                    <a:pt x="1341507" y="763388"/>
-                  </a:lnTo>
-                  <a:lnTo>
-                    <a:pt x="1402484" y="703745"/>
-                  </a:lnTo>
-                  <a:lnTo>
-                    <a:pt x="1463462" y="644102"/>
-                  </a:lnTo>
-                  <a:lnTo>
-                    <a:pt x="1524439" y="584459"/>
-                  </a:lnTo>
-                  <a:lnTo>
-                    <a:pt x="1585417" y="524815"/>
-                  </a:lnTo>
-                  <a:lnTo>
-                    <a:pt x="1646395" y="465172"/>
-                  </a:lnTo>
-                  <a:lnTo>
-                    <a:pt x="1707372" y="405529"/>
-                  </a:lnTo>
-                  <a:lnTo>
-                    <a:pt x="1768350" y="345886"/>
-                  </a:lnTo>
-                  <a:lnTo>
-                    <a:pt x="1703384" y="281871"/>
-                  </a:lnTo>
-                  <a:lnTo>
-                    <a:pt x="1636103" y="220296"/>
-                  </a:lnTo>
-                  <a:lnTo>
-                    <a:pt x="1566598" y="161242"/>
-                  </a:lnTo>
-                  <a:lnTo>
-                    <a:pt x="1494963" y="104791"/>
-                  </a:lnTo>
-                  <a:lnTo>
-                    <a:pt x="1421296" y="51019"/>
-                  </a:lnTo>
-                  <a:lnTo>
-                    <a:pt x="1345696" y="0"/>
-                  </a:lnTo>
-                  <a:lnTo>
-                    <a:pt x="1299293" y="71570"/>
-                  </a:lnTo>
-                  <a:lnTo>
-                    <a:pt x="1252889" y="143140"/>
-                  </a:lnTo>
-                  <a:lnTo>
-                    <a:pt x="1206486" y="214711"/>
-                  </a:lnTo>
-                  <a:lnTo>
-                    <a:pt x="1160083" y="286281"/>
-                  </a:lnTo>
-                  <a:lnTo>
-                    <a:pt x="1113679" y="357851"/>
-                  </a:lnTo>
-                  <a:lnTo>
-                    <a:pt x="1067276" y="429422"/>
-                  </a:lnTo>
-                  <a:lnTo>
-                    <a:pt x="1020873" y="500992"/>
-                  </a:lnTo>
-                  <a:lnTo>
-                    <a:pt x="974469" y="572562"/>
-                  </a:lnTo>
-                  <a:lnTo>
-                    <a:pt x="928066" y="644133"/>
-                  </a:lnTo>
-                  <a:lnTo>
-                    <a:pt x="881663" y="715703"/>
-                  </a:lnTo>
-                  <a:lnTo>
-                    <a:pt x="835259" y="787273"/>
-                  </a:lnTo>
-                  <a:lnTo>
-                    <a:pt x="788856" y="858844"/>
-                  </a:lnTo>
-                  <a:lnTo>
-                    <a:pt x="742453" y="930414"/>
-                  </a:lnTo>
-                  <a:lnTo>
-                    <a:pt x="696049" y="1001984"/>
-                  </a:lnTo>
-                  <a:lnTo>
-                    <a:pt x="649646" y="1073555"/>
-                  </a:lnTo>
-                  <a:lnTo>
-                    <a:pt x="603243" y="1145125"/>
-                  </a:lnTo>
-                  <a:lnTo>
-                    <a:pt x="556839" y="1216695"/>
-                  </a:lnTo>
-                  <a:lnTo>
-                    <a:pt x="510436" y="1288266"/>
-                  </a:lnTo>
-                  <a:lnTo>
-                    <a:pt x="464033" y="1359836"/>
-                  </a:lnTo>
-                  <a:lnTo>
-                    <a:pt x="417629" y="1431407"/>
-                  </a:lnTo>
-                  <a:lnTo>
-                    <a:pt x="371226" y="1502977"/>
-                  </a:lnTo>
-                  <a:lnTo>
-                    <a:pt x="324823" y="1574547"/>
-                  </a:lnTo>
-                  <a:lnTo>
-                    <a:pt x="278419" y="1646118"/>
-                  </a:lnTo>
-                  <a:lnTo>
-                    <a:pt x="232016" y="1717688"/>
-                  </a:lnTo>
-                  <a:lnTo>
-                    <a:pt x="185613" y="1789258"/>
-                  </a:lnTo>
-                  <a:lnTo>
-                    <a:pt x="139209" y="1860829"/>
-                  </a:lnTo>
-                  <a:lnTo>
-                    <a:pt x="92806" y="1932399"/>
-                  </a:lnTo>
-                  <a:lnTo>
-                    <a:pt x="46403" y="2003969"/>
+                    <a:pt x="63388" y="1977410"/>
+                  </a:lnTo>
+                  <a:lnTo>
+                    <a:pt x="126776" y="1920336"/>
+                  </a:lnTo>
+                  <a:lnTo>
+                    <a:pt x="190164" y="1863261"/>
+                  </a:lnTo>
+                  <a:lnTo>
+                    <a:pt x="253552" y="1806186"/>
+                  </a:lnTo>
+                  <a:lnTo>
+                    <a:pt x="316940" y="1749111"/>
+                  </a:lnTo>
+                  <a:lnTo>
+                    <a:pt x="380328" y="1692036"/>
+                  </a:lnTo>
+                  <a:lnTo>
+                    <a:pt x="443716" y="1634961"/>
+                  </a:lnTo>
+                  <a:lnTo>
+                    <a:pt x="507104" y="1577887"/>
+                  </a:lnTo>
+                  <a:lnTo>
+                    <a:pt x="570492" y="1520812"/>
+                  </a:lnTo>
+                  <a:lnTo>
+                    <a:pt x="633880" y="1463737"/>
+                  </a:lnTo>
+                  <a:lnTo>
+                    <a:pt x="697268" y="1406662"/>
+                  </a:lnTo>
+                  <a:lnTo>
+                    <a:pt x="760656" y="1349587"/>
+                  </a:lnTo>
+                  <a:lnTo>
+                    <a:pt x="824044" y="1292512"/>
+                  </a:lnTo>
+                  <a:lnTo>
+                    <a:pt x="887432" y="1235437"/>
+                  </a:lnTo>
+                  <a:lnTo>
+                    <a:pt x="950820" y="1178363"/>
+                  </a:lnTo>
+                  <a:lnTo>
+                    <a:pt x="1014208" y="1121288"/>
+                  </a:lnTo>
+                  <a:lnTo>
+                    <a:pt x="1077596" y="1064213"/>
+                  </a:lnTo>
+                  <a:lnTo>
+                    <a:pt x="1140984" y="1007138"/>
+                  </a:lnTo>
+                  <a:lnTo>
+                    <a:pt x="1204372" y="950063"/>
+                  </a:lnTo>
+                  <a:lnTo>
+                    <a:pt x="1267760" y="892988"/>
+                  </a:lnTo>
+                  <a:lnTo>
+                    <a:pt x="1331149" y="835913"/>
+                  </a:lnTo>
+                  <a:lnTo>
+                    <a:pt x="1394537" y="778839"/>
+                  </a:lnTo>
+                  <a:lnTo>
+                    <a:pt x="1457925" y="721764"/>
+                  </a:lnTo>
+                  <a:lnTo>
+                    <a:pt x="1521313" y="664689"/>
+                  </a:lnTo>
+                  <a:lnTo>
+                    <a:pt x="1584701" y="607614"/>
+                  </a:lnTo>
+                  <a:lnTo>
+                    <a:pt x="1648089" y="550539"/>
+                  </a:lnTo>
+                  <a:lnTo>
+                    <a:pt x="1711477" y="493464"/>
+                  </a:lnTo>
+                  <a:lnTo>
+                    <a:pt x="1774865" y="436389"/>
+                  </a:lnTo>
+                  <a:lnTo>
+                    <a:pt x="1838253" y="379315"/>
+                  </a:lnTo>
+                  <a:lnTo>
+                    <a:pt x="1772691" y="309280"/>
+                  </a:lnTo>
+                  <a:lnTo>
+                    <a:pt x="1704462" y="241841"/>
+                  </a:lnTo>
+                  <a:lnTo>
+                    <a:pt x="1633670" y="177098"/>
+                  </a:lnTo>
+                  <a:lnTo>
+                    <a:pt x="1560420" y="115149"/>
+                  </a:lnTo>
+                  <a:lnTo>
+                    <a:pt x="1484824" y="56086"/>
+                  </a:lnTo>
+                  <a:lnTo>
+                    <a:pt x="1406994" y="0"/>
+                  </a:lnTo>
+                  <a:lnTo>
+                    <a:pt x="1358477" y="70154"/>
+                  </a:lnTo>
+                  <a:lnTo>
+                    <a:pt x="1309960" y="140309"/>
+                  </a:lnTo>
+                  <a:lnTo>
+                    <a:pt x="1261443" y="210464"/>
+                  </a:lnTo>
+                  <a:lnTo>
+                    <a:pt x="1212926" y="280618"/>
+                  </a:lnTo>
+                  <a:lnTo>
+                    <a:pt x="1164409" y="350773"/>
+                  </a:lnTo>
+                  <a:lnTo>
+                    <a:pt x="1115892" y="420928"/>
+                  </a:lnTo>
+                  <a:lnTo>
+                    <a:pt x="1067375" y="491082"/>
+                  </a:lnTo>
+                  <a:lnTo>
+                    <a:pt x="1018858" y="561237"/>
+                  </a:lnTo>
+                  <a:lnTo>
+                    <a:pt x="970340" y="631392"/>
+                  </a:lnTo>
+                  <a:lnTo>
+                    <a:pt x="921823" y="701546"/>
+                  </a:lnTo>
+                  <a:lnTo>
+                    <a:pt x="873306" y="771701"/>
+                  </a:lnTo>
+                  <a:lnTo>
+                    <a:pt x="824789" y="841856"/>
+                  </a:lnTo>
+                  <a:lnTo>
+                    <a:pt x="776272" y="912010"/>
+                  </a:lnTo>
+                  <a:lnTo>
+                    <a:pt x="727755" y="982165"/>
+                  </a:lnTo>
+                  <a:lnTo>
+                    <a:pt x="679238" y="1052320"/>
+                  </a:lnTo>
+                  <a:lnTo>
+                    <a:pt x="630721" y="1122474"/>
+                  </a:lnTo>
+                  <a:lnTo>
+                    <a:pt x="582204" y="1192629"/>
+                  </a:lnTo>
+                  <a:lnTo>
+                    <a:pt x="533687" y="1262784"/>
+                  </a:lnTo>
+                  <a:lnTo>
+                    <a:pt x="485170" y="1332939"/>
+                  </a:lnTo>
+                  <a:lnTo>
+                    <a:pt x="436653" y="1403093"/>
+                  </a:lnTo>
+                  <a:lnTo>
+                    <a:pt x="388136" y="1473248"/>
+                  </a:lnTo>
+                  <a:lnTo>
+                    <a:pt x="339619" y="1543403"/>
+                  </a:lnTo>
+                  <a:lnTo>
+                    <a:pt x="291102" y="1613557"/>
+                  </a:lnTo>
+                  <a:lnTo>
+                    <a:pt x="242585" y="1683712"/>
+                  </a:lnTo>
+                  <a:lnTo>
+                    <a:pt x="194068" y="1753867"/>
+                  </a:lnTo>
+                  <a:lnTo>
+                    <a:pt x="145551" y="1824021"/>
+                  </a:lnTo>
+                  <a:lnTo>
+                    <a:pt x="97034" y="1894176"/>
+                  </a:lnTo>
+                  <a:lnTo>
+                    <a:pt x="48517" y="1964331"/>
                   </a:lnTo>
                   <a:close/>
                 </a:path>
@@ -3006,672 +3009,666 @@
           </p:nvSpPr>
           <p:spPr>
             <a:xfrm>
-              <a:off x="3012989" y="1749568"/>
-              <a:ext cx="4946997" cy="4947144"/>
+              <a:off x="3012819" y="1749568"/>
+              <a:ext cx="4946888" cy="4947092"/>
             </a:xfrm>
             <a:custGeom>
               <a:avLst/>
               <a:pathLst>
-                <a:path w="4946997" h="4947144">
+                <a:path w="4946888" h="4947092">
                   <a:moveTo>
-                    <a:pt x="2473410" y="2473613"/>
+                    <a:pt x="2473580" y="2473613"/>
                   </a:moveTo>
                   <a:lnTo>
-                    <a:pt x="2473410" y="2388316"/>
-                  </a:lnTo>
-                  <a:lnTo>
-                    <a:pt x="2473410" y="2303019"/>
-                  </a:lnTo>
-                  <a:lnTo>
-                    <a:pt x="2473410" y="2217722"/>
-                  </a:lnTo>
-                  <a:lnTo>
-                    <a:pt x="2473410" y="2132425"/>
-                  </a:lnTo>
-                  <a:lnTo>
-                    <a:pt x="2473410" y="2047128"/>
-                  </a:lnTo>
-                  <a:lnTo>
-                    <a:pt x="2473410" y="1961831"/>
-                  </a:lnTo>
-                  <a:lnTo>
-                    <a:pt x="2473410" y="1876534"/>
-                  </a:lnTo>
-                  <a:lnTo>
-                    <a:pt x="2473410" y="1791237"/>
-                  </a:lnTo>
-                  <a:lnTo>
-                    <a:pt x="2473410" y="1705940"/>
-                  </a:lnTo>
-                  <a:lnTo>
-                    <a:pt x="2473410" y="1620643"/>
-                  </a:lnTo>
-                  <a:lnTo>
-                    <a:pt x="2473410" y="1535346"/>
-                  </a:lnTo>
-                  <a:lnTo>
-                    <a:pt x="2473410" y="1450049"/>
-                  </a:lnTo>
-                  <a:lnTo>
-                    <a:pt x="2473410" y="1364752"/>
-                  </a:lnTo>
-                  <a:lnTo>
-                    <a:pt x="2473410" y="1279455"/>
-                  </a:lnTo>
-                  <a:lnTo>
-                    <a:pt x="2473410" y="1194158"/>
-                  </a:lnTo>
-                  <a:lnTo>
-                    <a:pt x="2473410" y="1108861"/>
-                  </a:lnTo>
-                  <a:lnTo>
-                    <a:pt x="2473410" y="1023564"/>
-                  </a:lnTo>
-                  <a:lnTo>
-                    <a:pt x="2473410" y="938267"/>
-                  </a:lnTo>
-                  <a:lnTo>
-                    <a:pt x="2473410" y="852970"/>
-                  </a:lnTo>
-                  <a:lnTo>
-                    <a:pt x="2473410" y="767673"/>
-                  </a:lnTo>
-                  <a:lnTo>
-                    <a:pt x="2473410" y="682376"/>
-                  </a:lnTo>
-                  <a:lnTo>
-                    <a:pt x="2473410" y="597079"/>
-                  </a:lnTo>
-                  <a:lnTo>
-                    <a:pt x="2473410" y="511782"/>
-                  </a:lnTo>
-                  <a:lnTo>
-                    <a:pt x="2473410" y="426485"/>
-                  </a:lnTo>
-                  <a:lnTo>
-                    <a:pt x="2473410" y="341188"/>
-                  </a:lnTo>
-                  <a:lnTo>
-                    <a:pt x="2473410" y="255891"/>
-                  </a:lnTo>
-                  <a:lnTo>
-                    <a:pt x="2473410" y="170594"/>
-                  </a:lnTo>
-                  <a:lnTo>
-                    <a:pt x="2473410" y="85297"/>
-                  </a:lnTo>
-                  <a:lnTo>
-                    <a:pt x="2473410" y="0"/>
-                  </a:lnTo>
-                  <a:lnTo>
-                    <a:pt x="2389648" y="1418"/>
-                  </a:lnTo>
-                  <a:lnTo>
-                    <a:pt x="2305982" y="5672"/>
-                  </a:lnTo>
-                  <a:lnTo>
-                    <a:pt x="2222508" y="12757"/>
-                  </a:lnTo>
-                  <a:lnTo>
-                    <a:pt x="2139322" y="22664"/>
-                  </a:lnTo>
-                  <a:lnTo>
-                    <a:pt x="2056519" y="35383"/>
-                  </a:lnTo>
-                  <a:lnTo>
-                    <a:pt x="1974194" y="50898"/>
-                  </a:lnTo>
-                  <a:lnTo>
-                    <a:pt x="1892442" y="69192"/>
-                  </a:lnTo>
-                  <a:lnTo>
-                    <a:pt x="1811356" y="90244"/>
-                  </a:lnTo>
-                  <a:lnTo>
-                    <a:pt x="1731030" y="114029"/>
-                  </a:lnTo>
-                  <a:lnTo>
-                    <a:pt x="1651555" y="140521"/>
-                  </a:lnTo>
-                  <a:lnTo>
-                    <a:pt x="1573022" y="169689"/>
-                  </a:lnTo>
-                  <a:lnTo>
-                    <a:pt x="1495523" y="201499"/>
-                  </a:lnTo>
-                  <a:lnTo>
-                    <a:pt x="1419145" y="235916"/>
-                  </a:lnTo>
-                  <a:lnTo>
-                    <a:pt x="1343976" y="272899"/>
-                  </a:lnTo>
-                  <a:lnTo>
-                    <a:pt x="1270103" y="312406"/>
-                  </a:lnTo>
-                  <a:lnTo>
-                    <a:pt x="1197609" y="354392"/>
-                  </a:lnTo>
-                  <a:lnTo>
-                    <a:pt x="1126580" y="398809"/>
-                  </a:lnTo>
-                  <a:lnTo>
-                    <a:pt x="1057095" y="445605"/>
-                  </a:lnTo>
-                  <a:lnTo>
-                    <a:pt x="989234" y="494728"/>
-                  </a:lnTo>
-                  <a:lnTo>
-                    <a:pt x="923076" y="546120"/>
-                  </a:lnTo>
-                  <a:lnTo>
-                    <a:pt x="858696" y="599723"/>
-                  </a:lnTo>
-                  <a:lnTo>
-                    <a:pt x="796168" y="655476"/>
-                  </a:lnTo>
-                  <a:lnTo>
-                    <a:pt x="735563" y="713313"/>
-                  </a:lnTo>
-                  <a:lnTo>
-                    <a:pt x="676952" y="773170"/>
-                  </a:lnTo>
-                  <a:lnTo>
-                    <a:pt x="620402" y="834977"/>
-                  </a:lnTo>
-                  <a:lnTo>
-                    <a:pt x="565977" y="898664"/>
-                  </a:lnTo>
-                  <a:lnTo>
-                    <a:pt x="513739" y="964157"/>
-                  </a:lnTo>
-                  <a:lnTo>
-                    <a:pt x="463750" y="1031382"/>
-                  </a:lnTo>
-                  <a:lnTo>
-                    <a:pt x="416065" y="1100260"/>
-                  </a:lnTo>
-                  <a:lnTo>
-                    <a:pt x="370740" y="1170714"/>
-                  </a:lnTo>
-                  <a:lnTo>
-                    <a:pt x="327827" y="1242662"/>
-                  </a:lnTo>
-                  <a:lnTo>
-                    <a:pt x="287375" y="1316022"/>
-                  </a:lnTo>
-                  <a:lnTo>
-                    <a:pt x="249430" y="1390710"/>
-                  </a:lnTo>
-                  <a:lnTo>
-                    <a:pt x="214036" y="1466640"/>
-                  </a:lnTo>
-                  <a:lnTo>
-                    <a:pt x="181233" y="1543725"/>
-                  </a:lnTo>
-                  <a:lnTo>
-                    <a:pt x="151060" y="1621876"/>
-                  </a:lnTo>
-                  <a:lnTo>
-                    <a:pt x="123550" y="1701005"/>
-                  </a:lnTo>
-                  <a:lnTo>
-                    <a:pt x="98735" y="1781019"/>
-                  </a:lnTo>
-                  <a:lnTo>
-                    <a:pt x="76644" y="1861828"/>
-                  </a:lnTo>
-                  <a:lnTo>
-                    <a:pt x="57302" y="1943339"/>
-                  </a:lnTo>
-                  <a:lnTo>
-                    <a:pt x="40732" y="2025457"/>
-                  </a:lnTo>
-                  <a:lnTo>
-                    <a:pt x="26951" y="2108090"/>
-                  </a:lnTo>
-                  <a:lnTo>
-                    <a:pt x="15977" y="2191142"/>
-                  </a:lnTo>
-                  <a:lnTo>
-                    <a:pt x="7821" y="2274518"/>
-                  </a:lnTo>
-                  <a:lnTo>
-                    <a:pt x="2493" y="2358123"/>
-                  </a:lnTo>
-                  <a:lnTo>
-                    <a:pt x="0" y="2441860"/>
-                  </a:lnTo>
-                  <a:lnTo>
-                    <a:pt x="343" y="2525633"/>
-                  </a:lnTo>
-                  <a:lnTo>
-                    <a:pt x="3522" y="2609347"/>
-                  </a:lnTo>
-                  <a:lnTo>
-                    <a:pt x="9535" y="2692905"/>
-                  </a:lnTo>
-                  <a:lnTo>
-                    <a:pt x="18374" y="2776211"/>
-                  </a:lnTo>
-                  <a:lnTo>
-                    <a:pt x="30028" y="2859170"/>
-                  </a:lnTo>
-                  <a:lnTo>
-                    <a:pt x="44485" y="2941688"/>
-                  </a:lnTo>
-                  <a:lnTo>
-                    <a:pt x="61728" y="3023668"/>
-                  </a:lnTo>
-                  <a:lnTo>
-                    <a:pt x="81738" y="3105017"/>
-                  </a:lnTo>
-                  <a:lnTo>
-                    <a:pt x="104490" y="3185642"/>
-                  </a:lnTo>
-                  <a:lnTo>
-                    <a:pt x="129959" y="3265451"/>
-                  </a:lnTo>
-                  <a:lnTo>
-                    <a:pt x="158117" y="3344351"/>
-                  </a:lnTo>
-                  <a:lnTo>
-                    <a:pt x="188930" y="3422253"/>
-                  </a:lnTo>
-                  <a:lnTo>
-                    <a:pt x="222363" y="3499066"/>
-                  </a:lnTo>
-                  <a:lnTo>
-                    <a:pt x="258378" y="3574704"/>
-                  </a:lnTo>
-                  <a:lnTo>
-                    <a:pt x="296933" y="3649078"/>
-                  </a:lnTo>
-                  <a:lnTo>
-                    <a:pt x="337985" y="3722104"/>
-                  </a:lnTo>
-                  <a:lnTo>
-                    <a:pt x="381487" y="3793698"/>
-                  </a:lnTo>
-                  <a:lnTo>
-                    <a:pt x="427387" y="3863778"/>
-                  </a:lnTo>
-                  <a:lnTo>
-                    <a:pt x="475635" y="3932264"/>
-                  </a:lnTo>
-                  <a:lnTo>
-                    <a:pt x="526174" y="3999076"/>
-                  </a:lnTo>
-                  <a:lnTo>
-                    <a:pt x="578946" y="4064139"/>
-                  </a:lnTo>
-                  <a:lnTo>
-                    <a:pt x="633891" y="4127378"/>
-                  </a:lnTo>
-                  <a:lnTo>
-                    <a:pt x="690946" y="4188720"/>
-                  </a:lnTo>
-                  <a:lnTo>
-                    <a:pt x="750045" y="4248094"/>
-                  </a:lnTo>
-                  <a:lnTo>
-                    <a:pt x="811122" y="4305433"/>
-                  </a:lnTo>
-                  <a:lnTo>
-                    <a:pt x="874104" y="4360672"/>
-                  </a:lnTo>
-                  <a:lnTo>
-                    <a:pt x="938921" y="4413745"/>
-                  </a:lnTo>
-                  <a:lnTo>
-                    <a:pt x="1005499" y="4464594"/>
-                  </a:lnTo>
-                  <a:lnTo>
-                    <a:pt x="1073759" y="4513159"/>
-                  </a:lnTo>
-                  <a:lnTo>
-                    <a:pt x="1143626" y="4559384"/>
-                  </a:lnTo>
-                  <a:lnTo>
-                    <a:pt x="1215017" y="4603218"/>
-                  </a:lnTo>
-                  <a:lnTo>
-                    <a:pt x="1287852" y="4644608"/>
-                  </a:lnTo>
-                  <a:lnTo>
-                    <a:pt x="1362046" y="4683509"/>
-                  </a:lnTo>
-                  <a:lnTo>
-                    <a:pt x="1437516" y="4719875"/>
-                  </a:lnTo>
-                  <a:lnTo>
-                    <a:pt x="1514173" y="4753664"/>
-                  </a:lnTo>
-                  <a:lnTo>
-                    <a:pt x="1591931" y="4784838"/>
-                  </a:lnTo>
-                  <a:lnTo>
-                    <a:pt x="1670699" y="4813362"/>
-                  </a:lnTo>
-                  <a:lnTo>
-                    <a:pt x="1750389" y="4839201"/>
-                  </a:lnTo>
-                  <a:lnTo>
-                    <a:pt x="1830907" y="4862328"/>
-                  </a:lnTo>
-                  <a:lnTo>
-                    <a:pt x="1912163" y="4882715"/>
-                  </a:lnTo>
-                  <a:lnTo>
-                    <a:pt x="1994062" y="4900338"/>
-                  </a:lnTo>
-                  <a:lnTo>
-                    <a:pt x="2076511" y="4915178"/>
-                  </a:lnTo>
-                  <a:lnTo>
-                    <a:pt x="2159416" y="4927218"/>
-                  </a:lnTo>
-                  <a:lnTo>
-                    <a:pt x="2242680" y="4936443"/>
-                  </a:lnTo>
-                  <a:lnTo>
-                    <a:pt x="2326209" y="4942844"/>
-                  </a:lnTo>
-                  <a:lnTo>
-                    <a:pt x="2409907" y="4946412"/>
-                  </a:lnTo>
-                  <a:lnTo>
-                    <a:pt x="2493678" y="4947144"/>
-                  </a:lnTo>
-                  <a:lnTo>
-                    <a:pt x="2577426" y="4945039"/>
-                  </a:lnTo>
-                  <a:lnTo>
-                    <a:pt x="2661054" y="4940100"/>
-                  </a:lnTo>
-                  <a:lnTo>
-                    <a:pt x="2744467" y="4932331"/>
-                  </a:lnTo>
-                  <a:lnTo>
-                    <a:pt x="2827569" y="4921743"/>
-                  </a:lnTo>
-                  <a:lnTo>
-                    <a:pt x="2910265" y="4908346"/>
-                  </a:lnTo>
-                  <a:lnTo>
-                    <a:pt x="2992460" y="4892157"/>
-                  </a:lnTo>
-                  <a:lnTo>
-                    <a:pt x="3074060" y="4873194"/>
-                  </a:lnTo>
-                  <a:lnTo>
-                    <a:pt x="3154970" y="4851478"/>
-                  </a:lnTo>
-                  <a:lnTo>
-                    <a:pt x="3235099" y="4827035"/>
-                  </a:lnTo>
-                  <a:lnTo>
-                    <a:pt x="3314354" y="4799893"/>
-                  </a:lnTo>
-                  <a:lnTo>
-                    <a:pt x="3392645" y="4770083"/>
-                  </a:lnTo>
-                  <a:lnTo>
-                    <a:pt x="3469881" y="4737639"/>
-                  </a:lnTo>
-                  <a:lnTo>
-                    <a:pt x="3545975" y="4702597"/>
-                  </a:lnTo>
-                  <a:lnTo>
-                    <a:pt x="3620838" y="4665000"/>
-                  </a:lnTo>
-                  <a:lnTo>
-                    <a:pt x="3694385" y="4624889"/>
-                  </a:lnTo>
-                  <a:lnTo>
-                    <a:pt x="3766532" y="4582310"/>
-                  </a:lnTo>
-                  <a:lnTo>
-                    <a:pt x="3837195" y="4537313"/>
-                  </a:lnTo>
-                  <a:lnTo>
-                    <a:pt x="3906295" y="4489948"/>
-                  </a:lnTo>
-                  <a:lnTo>
-                    <a:pt x="3973750" y="4440271"/>
-                  </a:lnTo>
-                  <a:lnTo>
-                    <a:pt x="4039485" y="4388339"/>
-                  </a:lnTo>
-                  <a:lnTo>
-                    <a:pt x="4103424" y="4334210"/>
-                  </a:lnTo>
-                  <a:lnTo>
-                    <a:pt x="4165493" y="4277947"/>
-                  </a:lnTo>
-                  <a:lnTo>
-                    <a:pt x="4225621" y="4219615"/>
-                  </a:lnTo>
-                  <a:lnTo>
-                    <a:pt x="4283740" y="4159279"/>
-                  </a:lnTo>
-                  <a:lnTo>
-                    <a:pt x="4339782" y="4097011"/>
-                  </a:lnTo>
-                  <a:lnTo>
-                    <a:pt x="4393684" y="4032881"/>
-                  </a:lnTo>
-                  <a:lnTo>
-                    <a:pt x="4445383" y="3966962"/>
-                  </a:lnTo>
-                  <a:lnTo>
-                    <a:pt x="4494820" y="3899330"/>
-                  </a:lnTo>
-                  <a:lnTo>
-                    <a:pt x="4541938" y="3830063"/>
-                  </a:lnTo>
-                  <a:lnTo>
-                    <a:pt x="4586684" y="3759240"/>
-                  </a:lnTo>
-                  <a:lnTo>
-                    <a:pt x="4629007" y="3686943"/>
-                  </a:lnTo>
-                  <a:lnTo>
-                    <a:pt x="4668856" y="3613253"/>
-                  </a:lnTo>
-                  <a:lnTo>
-                    <a:pt x="4706188" y="3538257"/>
-                  </a:lnTo>
-                  <a:lnTo>
-                    <a:pt x="4740959" y="3462040"/>
-                  </a:lnTo>
-                  <a:lnTo>
-                    <a:pt x="4773129" y="3384689"/>
-                  </a:lnTo>
-                  <a:lnTo>
-                    <a:pt x="4802661" y="3306293"/>
-                  </a:lnTo>
-                  <a:lnTo>
-                    <a:pt x="4829521" y="3226942"/>
-                  </a:lnTo>
-                  <a:lnTo>
-                    <a:pt x="4853679" y="3146727"/>
-                  </a:lnTo>
-                  <a:lnTo>
-                    <a:pt x="4875107" y="3065739"/>
-                  </a:lnTo>
-                  <a:lnTo>
-                    <a:pt x="4893781" y="2984073"/>
-                  </a:lnTo>
-                  <a:lnTo>
-                    <a:pt x="4909678" y="2901821"/>
-                  </a:lnTo>
-                  <a:lnTo>
-                    <a:pt x="4922781" y="2819078"/>
-                  </a:lnTo>
-                  <a:lnTo>
-                    <a:pt x="4933074" y="2735939"/>
-                  </a:lnTo>
-                  <a:lnTo>
-                    <a:pt x="4940547" y="2652499"/>
-                  </a:lnTo>
-                  <a:lnTo>
-                    <a:pt x="4945189" y="2568854"/>
-                  </a:lnTo>
-                  <a:lnTo>
-                    <a:pt x="4946997" y="2485099"/>
-                  </a:lnTo>
-                  <a:lnTo>
-                    <a:pt x="4945967" y="2401331"/>
-                  </a:lnTo>
-                  <a:lnTo>
-                    <a:pt x="4942102" y="2317647"/>
-                  </a:lnTo>
-                  <a:lnTo>
-                    <a:pt x="4935404" y="2234141"/>
-                  </a:lnTo>
-                  <a:lnTo>
-                    <a:pt x="4925883" y="2150909"/>
-                  </a:lnTo>
-                  <a:lnTo>
-                    <a:pt x="4913550" y="2068048"/>
-                  </a:lnTo>
-                  <a:lnTo>
-                    <a:pt x="4898417" y="1985652"/>
-                  </a:lnTo>
-                  <a:lnTo>
-                    <a:pt x="4880503" y="1903816"/>
-                  </a:lnTo>
-                  <a:lnTo>
-                    <a:pt x="4859828" y="1822634"/>
-                  </a:lnTo>
-                  <a:lnTo>
-                    <a:pt x="4836415" y="1742198"/>
-                  </a:lnTo>
-                  <a:lnTo>
-                    <a:pt x="4810293" y="1662600"/>
-                  </a:lnTo>
-                  <a:lnTo>
-                    <a:pt x="4781490" y="1583933"/>
-                  </a:lnTo>
-                  <a:lnTo>
-                    <a:pt x="4750040" y="1506287"/>
-                  </a:lnTo>
-                  <a:lnTo>
-                    <a:pt x="4715978" y="1429750"/>
-                  </a:lnTo>
-                  <a:lnTo>
-                    <a:pt x="4679345" y="1354410"/>
-                  </a:lnTo>
-                  <a:lnTo>
-                    <a:pt x="4640181" y="1280354"/>
-                  </a:lnTo>
-                  <a:lnTo>
-                    <a:pt x="4598532" y="1207667"/>
-                  </a:lnTo>
-                  <a:lnTo>
-                    <a:pt x="4554446" y="1136432"/>
-                  </a:lnTo>
-                  <a:lnTo>
-                    <a:pt x="4507972" y="1066730"/>
-                  </a:lnTo>
-                  <a:lnTo>
-                    <a:pt x="4459165" y="998642"/>
-                  </a:lnTo>
-                  <a:lnTo>
-                    <a:pt x="4408081" y="932246"/>
-                  </a:lnTo>
-                  <a:lnTo>
-                    <a:pt x="4354777" y="867618"/>
-                  </a:lnTo>
-                  <a:lnTo>
-                    <a:pt x="4299316" y="804832"/>
-                  </a:lnTo>
-                  <a:lnTo>
-                    <a:pt x="4241760" y="743959"/>
-                  </a:lnTo>
-                  <a:lnTo>
-                    <a:pt x="4180782" y="803603"/>
-                  </a:lnTo>
-                  <a:lnTo>
-                    <a:pt x="4119805" y="863246"/>
-                  </a:lnTo>
-                  <a:lnTo>
-                    <a:pt x="4058827" y="922889"/>
-                  </a:lnTo>
-                  <a:lnTo>
-                    <a:pt x="3997850" y="982532"/>
-                  </a:lnTo>
-                  <a:lnTo>
-                    <a:pt x="3936872" y="1042176"/>
-                  </a:lnTo>
-                  <a:lnTo>
-                    <a:pt x="3875894" y="1101819"/>
-                  </a:lnTo>
-                  <a:lnTo>
-                    <a:pt x="3814917" y="1161462"/>
-                  </a:lnTo>
-                  <a:lnTo>
-                    <a:pt x="3753939" y="1221105"/>
-                  </a:lnTo>
-                  <a:lnTo>
-                    <a:pt x="3692962" y="1280749"/>
-                  </a:lnTo>
-                  <a:lnTo>
-                    <a:pt x="3631984" y="1340392"/>
-                  </a:lnTo>
-                  <a:lnTo>
-                    <a:pt x="3571006" y="1400035"/>
-                  </a:lnTo>
-                  <a:lnTo>
-                    <a:pt x="3510029" y="1459678"/>
-                  </a:lnTo>
-                  <a:lnTo>
-                    <a:pt x="3449051" y="1519322"/>
-                  </a:lnTo>
-                  <a:lnTo>
-                    <a:pt x="3388074" y="1578965"/>
-                  </a:lnTo>
-                  <a:lnTo>
-                    <a:pt x="3327096" y="1638608"/>
-                  </a:lnTo>
-                  <a:lnTo>
-                    <a:pt x="3266118" y="1698251"/>
-                  </a:lnTo>
-                  <a:lnTo>
-                    <a:pt x="3205141" y="1757895"/>
-                  </a:lnTo>
-                  <a:lnTo>
-                    <a:pt x="3144163" y="1817538"/>
-                  </a:lnTo>
-                  <a:lnTo>
-                    <a:pt x="3083186" y="1877181"/>
-                  </a:lnTo>
-                  <a:lnTo>
-                    <a:pt x="3022208" y="1936824"/>
-                  </a:lnTo>
-                  <a:lnTo>
-                    <a:pt x="2961230" y="1996467"/>
-                  </a:lnTo>
-                  <a:lnTo>
-                    <a:pt x="2900253" y="2056111"/>
-                  </a:lnTo>
-                  <a:lnTo>
-                    <a:pt x="2839275" y="2115754"/>
-                  </a:lnTo>
-                  <a:lnTo>
-                    <a:pt x="2778298" y="2175397"/>
-                  </a:lnTo>
-                  <a:lnTo>
-                    <a:pt x="2717320" y="2235040"/>
-                  </a:lnTo>
-                  <a:lnTo>
-                    <a:pt x="2656342" y="2294684"/>
-                  </a:lnTo>
-                  <a:lnTo>
-                    <a:pt x="2595365" y="2354327"/>
-                  </a:lnTo>
-                  <a:lnTo>
-                    <a:pt x="2534387" y="2413970"/>
+                    <a:pt x="2473580" y="2388316"/>
+                  </a:lnTo>
+                  <a:lnTo>
+                    <a:pt x="2473580" y="2303019"/>
+                  </a:lnTo>
+                  <a:lnTo>
+                    <a:pt x="2473580" y="2217722"/>
+                  </a:lnTo>
+                  <a:lnTo>
+                    <a:pt x="2473580" y="2132425"/>
+                  </a:lnTo>
+                  <a:lnTo>
+                    <a:pt x="2473580" y="2047128"/>
+                  </a:lnTo>
+                  <a:lnTo>
+                    <a:pt x="2473580" y="1961831"/>
+                  </a:lnTo>
+                  <a:lnTo>
+                    <a:pt x="2473580" y="1876534"/>
+                  </a:lnTo>
+                  <a:lnTo>
+                    <a:pt x="2473580" y="1791237"/>
+                  </a:lnTo>
+                  <a:lnTo>
+                    <a:pt x="2473580" y="1705940"/>
+                  </a:lnTo>
+                  <a:lnTo>
+                    <a:pt x="2473580" y="1620643"/>
+                  </a:lnTo>
+                  <a:lnTo>
+                    <a:pt x="2473580" y="1535346"/>
+                  </a:lnTo>
+                  <a:lnTo>
+                    <a:pt x="2473580" y="1450049"/>
+                  </a:lnTo>
+                  <a:lnTo>
+                    <a:pt x="2473580" y="1364752"/>
+                  </a:lnTo>
+                  <a:lnTo>
+                    <a:pt x="2473580" y="1279455"/>
+                  </a:lnTo>
+                  <a:lnTo>
+                    <a:pt x="2473580" y="1194158"/>
+                  </a:lnTo>
+                  <a:lnTo>
+                    <a:pt x="2473580" y="1108861"/>
+                  </a:lnTo>
+                  <a:lnTo>
+                    <a:pt x="2473580" y="1023564"/>
+                  </a:lnTo>
+                  <a:lnTo>
+                    <a:pt x="2473580" y="938267"/>
+                  </a:lnTo>
+                  <a:lnTo>
+                    <a:pt x="2473580" y="852970"/>
+                  </a:lnTo>
+                  <a:lnTo>
+                    <a:pt x="2473580" y="767673"/>
+                  </a:lnTo>
+                  <a:lnTo>
+                    <a:pt x="2473580" y="682376"/>
+                  </a:lnTo>
+                  <a:lnTo>
+                    <a:pt x="2473580" y="597079"/>
+                  </a:lnTo>
+                  <a:lnTo>
+                    <a:pt x="2473580" y="511782"/>
+                  </a:lnTo>
+                  <a:lnTo>
+                    <a:pt x="2473580" y="426485"/>
+                  </a:lnTo>
+                  <a:lnTo>
+                    <a:pt x="2473580" y="341188"/>
+                  </a:lnTo>
+                  <a:lnTo>
+                    <a:pt x="2473580" y="255891"/>
+                  </a:lnTo>
+                  <a:lnTo>
+                    <a:pt x="2473580" y="170594"/>
+                  </a:lnTo>
+                  <a:lnTo>
+                    <a:pt x="2473580" y="85297"/>
+                  </a:lnTo>
+                  <a:lnTo>
+                    <a:pt x="2473580" y="0"/>
+                  </a:lnTo>
+                  <a:lnTo>
+                    <a:pt x="2389409" y="1432"/>
+                  </a:lnTo>
+                  <a:lnTo>
+                    <a:pt x="2305336" y="5728"/>
+                  </a:lnTo>
+                  <a:lnTo>
+                    <a:pt x="2221458" y="12882"/>
+                  </a:lnTo>
+                  <a:lnTo>
+                    <a:pt x="2137872" y="22886"/>
+                  </a:lnTo>
+                  <a:lnTo>
+                    <a:pt x="2054674" y="35728"/>
+                  </a:lnTo>
+                  <a:lnTo>
+                    <a:pt x="1971962" y="51394"/>
+                  </a:lnTo>
+                  <a:lnTo>
+                    <a:pt x="1889831" y="69866"/>
+                  </a:lnTo>
+                  <a:lnTo>
+                    <a:pt x="1808376" y="91121"/>
+                  </a:lnTo>
+                  <a:lnTo>
+                    <a:pt x="1727691" y="115136"/>
+                  </a:lnTo>
+                  <a:lnTo>
+                    <a:pt x="1647870" y="141882"/>
+                  </a:lnTo>
+                  <a:lnTo>
+                    <a:pt x="1569006" y="171329"/>
+                  </a:lnTo>
+                  <a:lnTo>
+                    <a:pt x="1491189" y="203443"/>
+                  </a:lnTo>
+                  <a:lnTo>
+                    <a:pt x="1414510" y="238186"/>
+                  </a:lnTo>
+                  <a:lnTo>
+                    <a:pt x="1339058" y="275517"/>
+                  </a:lnTo>
+                  <a:lnTo>
+                    <a:pt x="1264919" y="315395"/>
+                  </a:lnTo>
+                  <a:lnTo>
+                    <a:pt x="1192181" y="357772"/>
+                  </a:lnTo>
+                  <a:lnTo>
+                    <a:pt x="1120926" y="402600"/>
+                  </a:lnTo>
+                  <a:lnTo>
+                    <a:pt x="1051239" y="449827"/>
+                  </a:lnTo>
+                  <a:lnTo>
+                    <a:pt x="983198" y="499397"/>
+                  </a:lnTo>
+                  <a:lnTo>
+                    <a:pt x="916884" y="551254"/>
+                  </a:lnTo>
+                  <a:lnTo>
+                    <a:pt x="852373" y="605338"/>
+                  </a:lnTo>
+                  <a:lnTo>
+                    <a:pt x="789739" y="661585"/>
+                  </a:lnTo>
+                  <a:lnTo>
+                    <a:pt x="729055" y="719931"/>
+                  </a:lnTo>
+                  <a:lnTo>
+                    <a:pt x="670393" y="780308"/>
+                  </a:lnTo>
+                  <a:lnTo>
+                    <a:pt x="613818" y="842646"/>
+                  </a:lnTo>
+                  <a:lnTo>
+                    <a:pt x="559398" y="906874"/>
+                  </a:lnTo>
+                  <a:lnTo>
+                    <a:pt x="507194" y="972916"/>
+                  </a:lnTo>
+                  <a:lnTo>
+                    <a:pt x="457268" y="1040695"/>
+                  </a:lnTo>
+                  <a:lnTo>
+                    <a:pt x="409677" y="1110135"/>
+                  </a:lnTo>
+                  <a:lnTo>
+                    <a:pt x="364477" y="1181154"/>
+                  </a:lnTo>
+                  <a:lnTo>
+                    <a:pt x="321719" y="1253669"/>
+                  </a:lnTo>
+                  <a:lnTo>
+                    <a:pt x="281454" y="1327598"/>
+                  </a:lnTo>
+                  <a:lnTo>
+                    <a:pt x="243728" y="1402854"/>
+                  </a:lnTo>
+                  <a:lnTo>
+                    <a:pt x="208584" y="1479350"/>
+                  </a:lnTo>
+                  <a:lnTo>
+                    <a:pt x="176063" y="1556997"/>
+                  </a:lnTo>
+                  <a:lnTo>
+                    <a:pt x="146204" y="1635707"/>
+                  </a:lnTo>
+                  <a:lnTo>
+                    <a:pt x="119040" y="1715386"/>
+                  </a:lnTo>
+                  <a:lnTo>
+                    <a:pt x="94603" y="1795944"/>
+                  </a:lnTo>
+                  <a:lnTo>
+                    <a:pt x="72921" y="1877287"/>
+                  </a:lnTo>
+                  <a:lnTo>
+                    <a:pt x="54020" y="1959320"/>
+                  </a:lnTo>
+                  <a:lnTo>
+                    <a:pt x="37921" y="2041949"/>
+                  </a:lnTo>
+                  <a:lnTo>
+                    <a:pt x="24643" y="2125078"/>
+                  </a:lnTo>
+                  <a:lnTo>
+                    <a:pt x="14202" y="2208611"/>
+                  </a:lnTo>
+                  <a:lnTo>
+                    <a:pt x="6609" y="2292450"/>
+                  </a:lnTo>
+                  <a:lnTo>
+                    <a:pt x="1873" y="2376500"/>
+                  </a:lnTo>
+                  <a:lnTo>
+                    <a:pt x="0" y="2460662"/>
+                  </a:lnTo>
+                  <a:lnTo>
+                    <a:pt x="991" y="2544839"/>
+                  </a:lnTo>
+                  <a:lnTo>
+                    <a:pt x="4847" y="2628933"/>
+                  </a:lnTo>
+                  <a:lnTo>
+                    <a:pt x="11561" y="2712847"/>
+                  </a:lnTo>
+                  <a:lnTo>
+                    <a:pt x="21128" y="2796485"/>
+                  </a:lnTo>
+                  <a:lnTo>
+                    <a:pt x="33534" y="2879748"/>
+                  </a:lnTo>
+                  <a:lnTo>
+                    <a:pt x="48767" y="2962541"/>
+                  </a:lnTo>
+                  <a:lnTo>
+                    <a:pt x="66808" y="3044768"/>
+                  </a:lnTo>
+                  <a:lnTo>
+                    <a:pt x="87637" y="3126333"/>
+                  </a:lnTo>
+                  <a:lnTo>
+                    <a:pt x="111229" y="3207143"/>
+                  </a:lnTo>
+                  <a:lnTo>
+                    <a:pt x="137557" y="3287103"/>
+                  </a:lnTo>
+                  <a:lnTo>
+                    <a:pt x="166591" y="3366120"/>
+                  </a:lnTo>
+                  <a:lnTo>
+                    <a:pt x="198296" y="3444104"/>
+                  </a:lnTo>
+                  <a:lnTo>
+                    <a:pt x="232637" y="3520964"/>
+                  </a:lnTo>
+                  <a:lnTo>
+                    <a:pt x="269573" y="3596611"/>
+                  </a:lnTo>
+                  <a:lnTo>
+                    <a:pt x="309062" y="3670957"/>
+                  </a:lnTo>
+                  <a:lnTo>
+                    <a:pt x="351058" y="3743916"/>
+                  </a:lnTo>
+                  <a:lnTo>
+                    <a:pt x="395512" y="3815404"/>
+                  </a:lnTo>
+                  <a:lnTo>
+                    <a:pt x="442373" y="3885338"/>
+                  </a:lnTo>
+                  <a:lnTo>
+                    <a:pt x="491587" y="3953637"/>
+                  </a:lnTo>
+                  <a:lnTo>
+                    <a:pt x="543096" y="4020222"/>
+                  </a:lnTo>
+                  <a:lnTo>
+                    <a:pt x="596841" y="4085016"/>
+                  </a:lnTo>
+                  <a:lnTo>
+                    <a:pt x="652760" y="4147943"/>
+                  </a:lnTo>
+                  <a:lnTo>
+                    <a:pt x="710787" y="4208931"/>
+                  </a:lnTo>
+                  <a:lnTo>
+                    <a:pt x="770856" y="4267910"/>
+                  </a:lnTo>
+                  <a:lnTo>
+                    <a:pt x="832897" y="4324810"/>
+                  </a:lnTo>
+                  <a:lnTo>
+                    <a:pt x="896839" y="4379566"/>
+                  </a:lnTo>
+                  <a:lnTo>
+                    <a:pt x="962606" y="4432114"/>
+                  </a:lnTo>
+                  <a:lnTo>
+                    <a:pt x="1030124" y="4482395"/>
+                  </a:lnTo>
+                  <a:lnTo>
+                    <a:pt x="1099313" y="4530348"/>
+                  </a:lnTo>
+                  <a:lnTo>
+                    <a:pt x="1170094" y="4575920"/>
+                  </a:lnTo>
+                  <a:lnTo>
+                    <a:pt x="1242385" y="4619057"/>
+                  </a:lnTo>
+                  <a:lnTo>
+                    <a:pt x="1316102" y="4659708"/>
+                  </a:lnTo>
+                  <a:lnTo>
+                    <a:pt x="1391159" y="4697828"/>
+                  </a:lnTo>
+                  <a:lnTo>
+                    <a:pt x="1467470" y="4733372"/>
+                  </a:lnTo>
+                  <a:lnTo>
+                    <a:pt x="1544946" y="4766299"/>
+                  </a:lnTo>
+                  <a:lnTo>
+                    <a:pt x="1623498" y="4796570"/>
+                  </a:lnTo>
+                  <a:lnTo>
+                    <a:pt x="1703034" y="4824151"/>
+                  </a:lnTo>
+                  <a:lnTo>
+                    <a:pt x="1783463" y="4849009"/>
+                  </a:lnTo>
+                  <a:lnTo>
+                    <a:pt x="1864691" y="4871117"/>
+                  </a:lnTo>
+                  <a:lnTo>
+                    <a:pt x="1946625" y="4890447"/>
+                  </a:lnTo>
+                  <a:lnTo>
+                    <a:pt x="2029168" y="4906978"/>
+                  </a:lnTo>
+                  <a:lnTo>
+                    <a:pt x="2112227" y="4920691"/>
+                  </a:lnTo>
+                  <a:lnTo>
+                    <a:pt x="2195703" y="4931570"/>
+                  </a:lnTo>
+                  <a:lnTo>
+                    <a:pt x="2279502" y="4939602"/>
+                  </a:lnTo>
+                  <a:lnTo>
+                    <a:pt x="2363525" y="4944778"/>
+                  </a:lnTo>
+                  <a:lnTo>
+                    <a:pt x="2447676" y="4947092"/>
+                  </a:lnTo>
+                  <a:lnTo>
+                    <a:pt x="2531857" y="4946541"/>
+                  </a:lnTo>
+                  <a:lnTo>
+                    <a:pt x="2615971" y="4943126"/>
+                  </a:lnTo>
+                  <a:lnTo>
+                    <a:pt x="2699919" y="4936850"/>
+                  </a:lnTo>
+                  <a:lnTo>
+                    <a:pt x="2783606" y="4927722"/>
+                  </a:lnTo>
+                  <a:lnTo>
+                    <a:pt x="2866933" y="4915752"/>
+                  </a:lnTo>
+                  <a:lnTo>
+                    <a:pt x="2949805" y="4900953"/>
+                  </a:lnTo>
+                  <a:lnTo>
+                    <a:pt x="3032125" y="4883342"/>
+                  </a:lnTo>
+                  <a:lnTo>
+                    <a:pt x="3113798" y="4862941"/>
+                  </a:lnTo>
+                  <a:lnTo>
+                    <a:pt x="3194730" y="4839772"/>
+                  </a:lnTo>
+                  <a:lnTo>
+                    <a:pt x="3274826" y="4813863"/>
+                  </a:lnTo>
+                  <a:lnTo>
+                    <a:pt x="3353995" y="4785244"/>
+                  </a:lnTo>
+                  <a:lnTo>
+                    <a:pt x="3432143" y="4753947"/>
+                  </a:lnTo>
+                  <a:lnTo>
+                    <a:pt x="3509182" y="4720009"/>
+                  </a:lnTo>
+                  <a:lnTo>
+                    <a:pt x="3585021" y="4683469"/>
+                  </a:lnTo>
+                  <a:lnTo>
+                    <a:pt x="3659573" y="4644370"/>
+                  </a:lnTo>
+                  <a:lnTo>
+                    <a:pt x="3732751" y="4602757"/>
+                  </a:lnTo>
+                  <a:lnTo>
+                    <a:pt x="3804471" y="4558678"/>
+                  </a:lnTo>
+                  <a:lnTo>
+                    <a:pt x="3874650" y="4512183"/>
+                  </a:lnTo>
+                  <a:lnTo>
+                    <a:pt x="3943206" y="4463328"/>
+                  </a:lnTo>
+                  <a:lnTo>
+                    <a:pt x="4010059" y="4412168"/>
+                  </a:lnTo>
+                  <a:lnTo>
+                    <a:pt x="4075133" y="4358764"/>
+                  </a:lnTo>
+                  <a:lnTo>
+                    <a:pt x="4138353" y="4303175"/>
+                  </a:lnTo>
+                  <a:lnTo>
+                    <a:pt x="4199644" y="4245468"/>
+                  </a:lnTo>
+                  <a:lnTo>
+                    <a:pt x="4258936" y="4185708"/>
+                  </a:lnTo>
+                  <a:lnTo>
+                    <a:pt x="4316160" y="4123966"/>
+                  </a:lnTo>
+                  <a:lnTo>
+                    <a:pt x="4371250" y="4060312"/>
+                  </a:lnTo>
+                  <a:lnTo>
+                    <a:pt x="4424142" y="3994821"/>
+                  </a:lnTo>
+                  <a:lnTo>
+                    <a:pt x="4474775" y="3927567"/>
+                  </a:lnTo>
+                  <a:lnTo>
+                    <a:pt x="4523091" y="3858630"/>
+                  </a:lnTo>
+                  <a:lnTo>
+                    <a:pt x="4569032" y="3788088"/>
+                  </a:lnTo>
+                  <a:lnTo>
+                    <a:pt x="4612547" y="3716024"/>
+                  </a:lnTo>
+                  <a:lnTo>
+                    <a:pt x="4653584" y="3642522"/>
+                  </a:lnTo>
+                  <a:lnTo>
+                    <a:pt x="4692096" y="3567665"/>
+                  </a:lnTo>
+                  <a:lnTo>
+                    <a:pt x="4728039" y="3491541"/>
+                  </a:lnTo>
+                  <a:lnTo>
+                    <a:pt x="4761371" y="3414238"/>
+                  </a:lnTo>
+                  <a:lnTo>
+                    <a:pt x="4792053" y="3335846"/>
+                  </a:lnTo>
+                  <a:lnTo>
+                    <a:pt x="4820050" y="3256455"/>
+                  </a:lnTo>
+                  <a:lnTo>
+                    <a:pt x="4845329" y="3176158"/>
+                  </a:lnTo>
+                  <a:lnTo>
+                    <a:pt x="4867862" y="3095047"/>
+                  </a:lnTo>
+                  <a:lnTo>
+                    <a:pt x="4887621" y="3013216"/>
+                  </a:lnTo>
+                  <a:lnTo>
+                    <a:pt x="4904584" y="2930760"/>
+                  </a:lnTo>
+                  <a:lnTo>
+                    <a:pt x="4918732" y="2847774"/>
+                  </a:lnTo>
+                  <a:lnTo>
+                    <a:pt x="4930047" y="2764356"/>
+                  </a:lnTo>
+                  <a:lnTo>
+                    <a:pt x="4938518" y="2680600"/>
+                  </a:lnTo>
+                  <a:lnTo>
+                    <a:pt x="4944134" y="2596605"/>
+                  </a:lnTo>
+                  <a:lnTo>
+                    <a:pt x="4946888" y="2512467"/>
+                  </a:lnTo>
+                  <a:lnTo>
+                    <a:pt x="4946778" y="2428285"/>
+                  </a:lnTo>
+                  <a:lnTo>
+                    <a:pt x="4943803" y="2344154"/>
+                  </a:lnTo>
+                  <a:lnTo>
+                    <a:pt x="4937968" y="2260174"/>
+                  </a:lnTo>
+                  <a:lnTo>
+                    <a:pt x="4929278" y="2176441"/>
+                  </a:lnTo>
+                  <a:lnTo>
+                    <a:pt x="4917744" y="2093052"/>
+                  </a:lnTo>
+                  <a:lnTo>
+                    <a:pt x="4903379" y="2010104"/>
+                  </a:lnTo>
+                  <a:lnTo>
+                    <a:pt x="4886200" y="1927693"/>
+                  </a:lnTo>
+                  <a:lnTo>
+                    <a:pt x="4866227" y="1845914"/>
+                  </a:lnTo>
+                  <a:lnTo>
+                    <a:pt x="4843482" y="1764862"/>
+                  </a:lnTo>
+                  <a:lnTo>
+                    <a:pt x="4817993" y="1684631"/>
+                  </a:lnTo>
+                  <a:lnTo>
+                    <a:pt x="4789788" y="1605314"/>
+                  </a:lnTo>
+                  <a:lnTo>
+                    <a:pt x="4758901" y="1527002"/>
+                  </a:lnTo>
+                  <a:lnTo>
+                    <a:pt x="4725367" y="1449787"/>
+                  </a:lnTo>
+                  <a:lnTo>
+                    <a:pt x="4689225" y="1373758"/>
+                  </a:lnTo>
+                  <a:lnTo>
+                    <a:pt x="4650516" y="1299002"/>
+                  </a:lnTo>
+                  <a:lnTo>
+                    <a:pt x="4609287" y="1225607"/>
+                  </a:lnTo>
+                  <a:lnTo>
+                    <a:pt x="4565584" y="1153657"/>
+                  </a:lnTo>
+                  <a:lnTo>
+                    <a:pt x="4519458" y="1083236"/>
+                  </a:lnTo>
+                  <a:lnTo>
+                    <a:pt x="4470962" y="1014426"/>
+                  </a:lnTo>
+                  <a:lnTo>
+                    <a:pt x="4420153" y="947305"/>
+                  </a:lnTo>
+                  <a:lnTo>
+                    <a:pt x="4367089" y="881952"/>
+                  </a:lnTo>
+                  <a:lnTo>
+                    <a:pt x="4311833" y="818443"/>
+                  </a:lnTo>
+                  <a:lnTo>
+                    <a:pt x="4248445" y="875517"/>
+                  </a:lnTo>
+                  <a:lnTo>
+                    <a:pt x="4185057" y="932592"/>
+                  </a:lnTo>
+                  <a:lnTo>
+                    <a:pt x="4121669" y="989667"/>
+                  </a:lnTo>
+                  <a:lnTo>
+                    <a:pt x="4058281" y="1046742"/>
+                  </a:lnTo>
+                  <a:lnTo>
+                    <a:pt x="3994893" y="1103817"/>
+                  </a:lnTo>
+                  <a:lnTo>
+                    <a:pt x="3931505" y="1160892"/>
+                  </a:lnTo>
+                  <a:lnTo>
+                    <a:pt x="3868117" y="1217967"/>
+                  </a:lnTo>
+                  <a:lnTo>
+                    <a:pt x="3804729" y="1275041"/>
+                  </a:lnTo>
+                  <a:lnTo>
+                    <a:pt x="3741340" y="1332116"/>
+                  </a:lnTo>
+                  <a:lnTo>
+                    <a:pt x="3677952" y="1389191"/>
+                  </a:lnTo>
+                  <a:lnTo>
+                    <a:pt x="3614564" y="1446266"/>
+                  </a:lnTo>
+                  <a:lnTo>
+                    <a:pt x="3551176" y="1503341"/>
+                  </a:lnTo>
+                  <a:lnTo>
+                    <a:pt x="3487788" y="1560416"/>
+                  </a:lnTo>
+                  <a:lnTo>
+                    <a:pt x="3424400" y="1617491"/>
+                  </a:lnTo>
+                  <a:lnTo>
+                    <a:pt x="3361012" y="1674565"/>
+                  </a:lnTo>
+                  <a:lnTo>
+                    <a:pt x="3297624" y="1731640"/>
+                  </a:lnTo>
+                  <a:lnTo>
+                    <a:pt x="3234236" y="1788715"/>
+                  </a:lnTo>
+                  <a:lnTo>
+                    <a:pt x="3170848" y="1845790"/>
+                  </a:lnTo>
+                  <a:lnTo>
+                    <a:pt x="3107460" y="1902865"/>
+                  </a:lnTo>
+                  <a:lnTo>
+                    <a:pt x="3044072" y="1959940"/>
+                  </a:lnTo>
+                  <a:lnTo>
+                    <a:pt x="2980684" y="2017015"/>
+                  </a:lnTo>
+                  <a:lnTo>
+                    <a:pt x="2917296" y="2074089"/>
+                  </a:lnTo>
+                  <a:lnTo>
+                    <a:pt x="2853908" y="2131164"/>
+                  </a:lnTo>
+                  <a:lnTo>
+                    <a:pt x="2790520" y="2188239"/>
+                  </a:lnTo>
+                  <a:lnTo>
+                    <a:pt x="2727132" y="2245314"/>
+                  </a:lnTo>
+                  <a:lnTo>
+                    <a:pt x="2663744" y="2302389"/>
+                  </a:lnTo>
+                  <a:lnTo>
+                    <a:pt x="2600356" y="2359464"/>
+                  </a:lnTo>
+                  <a:lnTo>
+                    <a:pt x="2536968" y="2416539"/>
                   </a:lnTo>
                   <a:close/>
                 </a:path>
@@ -3706,7 +3703,7 @@
           </p:nvSpPr>
           <p:spPr>
             <a:xfrm>
-              <a:off x="5160376" y="2747625"/>
+              <a:off x="5176774" y="2752205"/>
               <a:ext cx="1301071" cy="203576"/>
             </a:xfrm>
             <a:prstGeom prst="rect">
@@ -3752,8 +3749,8 @@
           </p:nvSpPr>
           <p:spPr>
             <a:xfrm>
-              <a:off x="5660214" y="3107576"/>
-              <a:ext cx="301395" cy="155832"/>
+              <a:off x="5399406" y="3104428"/>
+              <a:ext cx="855806" cy="163560"/>
             </a:xfrm>
             <a:prstGeom prst="rect">
               <a:avLst/>
@@ -3785,7 +3782,7 @@
                   <a:latin typeface="Arial"/>
                   <a:cs typeface="Arial"/>
                 </a:rPr>
-                <a:t> 12</a:t>
+                <a:t> 8.889 %</a:t>
               </a:r>
             </a:p>
           </p:txBody>
@@ -3798,7 +3795,7 @@
           </p:nvSpPr>
           <p:spPr>
             <a:xfrm>
-              <a:off x="5485590" y="2888699"/>
+              <a:off x="5515500" y="2907763"/>
               <a:ext cx="1301071" cy="203576"/>
             </a:xfrm>
             <a:prstGeom prst="rect">
@@ -3844,8 +3841,8 @@
           </p:nvSpPr>
           <p:spPr>
             <a:xfrm>
-              <a:off x="6045717" y="3248651"/>
-              <a:ext cx="180816" cy="155832"/>
+              <a:off x="5738133" y="3259986"/>
+              <a:ext cx="855806" cy="163560"/>
             </a:xfrm>
             <a:prstGeom prst="rect">
               <a:avLst/>
@@ -3877,7 +3874,7 @@
                   <a:latin typeface="Arial"/>
                   <a:cs typeface="Arial"/>
                 </a:rPr>
-                <a:t> 1</a:t>
+                <a:t> 0.741 %</a:t>
               </a:r>
             </a:p>
           </p:txBody>
@@ -3890,7 +3887,7 @@
           </p:nvSpPr>
           <p:spPr>
             <a:xfrm>
-              <a:off x="5372235" y="3025980"/>
+              <a:off x="5405770" y="3054435"/>
               <a:ext cx="1794928" cy="161548"/>
             </a:xfrm>
             <a:prstGeom prst="rect">
@@ -3936,8 +3933,8 @@
           </p:nvSpPr>
           <p:spPr>
             <a:xfrm>
-              <a:off x="6179291" y="3344009"/>
-              <a:ext cx="180816" cy="155726"/>
+              <a:off x="5875331" y="3364630"/>
+              <a:ext cx="855806" cy="163560"/>
             </a:xfrm>
             <a:prstGeom prst="rect">
               <a:avLst/>
@@ -3969,7 +3966,7 @@
                   <a:latin typeface="Arial"/>
                   <a:cs typeface="Arial"/>
                 </a:rPr>
-                <a:t> 5</a:t>
+                <a:t> 3.704 %</a:t>
               </a:r>
             </a:p>
           </p:txBody>
@@ -3982,7 +3979,7 @@
           </p:nvSpPr>
           <p:spPr>
             <a:xfrm>
-              <a:off x="4500856" y="5124107"/>
+              <a:off x="4477419" y="5113961"/>
               <a:ext cx="1011850" cy="160596"/>
             </a:xfrm>
             <a:prstGeom prst="rect">
@@ -4028,8 +4025,8 @@
           </p:nvSpPr>
           <p:spPr>
             <a:xfrm>
-              <a:off x="4795794" y="5441077"/>
-              <a:ext cx="421974" cy="155832"/>
+              <a:off x="4495152" y="5423203"/>
+              <a:ext cx="976386" cy="163560"/>
             </a:xfrm>
             <a:prstGeom prst="rect">
               <a:avLst/>
@@ -4061,7 +4058,7 @@
                   <a:latin typeface="Arial"/>
                   <a:cs typeface="Arial"/>
                 </a:rPr>
-                <a:t> 124</a:t>
+                <a:t> 86.667 %</a:t>
               </a:r>
             </a:p>
           </p:txBody>
